--- a/Модель сущность связь/Презентация.pptx
+++ b/Модель сущность связь/Презентация.pptx
@@ -7,9 +7,13 @@
   <p:sldIdLst>
     <p:sldId id="256" r:id="rId2"/>
     <p:sldId id="257" r:id="rId3"/>
-    <p:sldId id="258" r:id="rId4"/>
-    <p:sldId id="259" r:id="rId5"/>
-    <p:sldId id="260" r:id="rId6"/>
+    <p:sldId id="261" r:id="rId4"/>
+    <p:sldId id="262" r:id="rId5"/>
+    <p:sldId id="258" r:id="rId6"/>
+    <p:sldId id="259" r:id="rId7"/>
+    <p:sldId id="263" r:id="rId8"/>
+    <p:sldId id="260" r:id="rId9"/>
+    <p:sldId id="264" r:id="rId10"/>
   </p:sldIdLst>
   <p:sldSz cx="12192000" cy="6858000"/>
   <p:notesSz cx="6858000" cy="9144000"/>
@@ -247,7 +251,7 @@
           <a:p>
             <a:fld id="{F7A897A6-AF08-43F2-B3F3-7297659B764A}" type="datetimeFigureOut">
               <a:rPr lang="ru-RU" smtClean="0"/>
-              <a:t>04.10.2019</a:t>
+              <a:t>11.10.2019</a:t>
             </a:fld>
             <a:endParaRPr lang="ru-RU"/>
           </a:p>
@@ -417,7 +421,7 @@
           <a:p>
             <a:fld id="{F7A897A6-AF08-43F2-B3F3-7297659B764A}" type="datetimeFigureOut">
               <a:rPr lang="ru-RU" smtClean="0"/>
-              <a:t>04.10.2019</a:t>
+              <a:t>11.10.2019</a:t>
             </a:fld>
             <a:endParaRPr lang="ru-RU"/>
           </a:p>
@@ -597,7 +601,7 @@
           <a:p>
             <a:fld id="{F7A897A6-AF08-43F2-B3F3-7297659B764A}" type="datetimeFigureOut">
               <a:rPr lang="ru-RU" smtClean="0"/>
-              <a:t>04.10.2019</a:t>
+              <a:t>11.10.2019</a:t>
             </a:fld>
             <a:endParaRPr lang="ru-RU"/>
           </a:p>
@@ -767,7 +771,7 @@
           <a:p>
             <a:fld id="{F7A897A6-AF08-43F2-B3F3-7297659B764A}" type="datetimeFigureOut">
               <a:rPr lang="ru-RU" smtClean="0"/>
-              <a:t>04.10.2019</a:t>
+              <a:t>11.10.2019</a:t>
             </a:fld>
             <a:endParaRPr lang="ru-RU"/>
           </a:p>
@@ -1013,7 +1017,7 @@
           <a:p>
             <a:fld id="{F7A897A6-AF08-43F2-B3F3-7297659B764A}" type="datetimeFigureOut">
               <a:rPr lang="ru-RU" smtClean="0"/>
-              <a:t>04.10.2019</a:t>
+              <a:t>11.10.2019</a:t>
             </a:fld>
             <a:endParaRPr lang="ru-RU"/>
           </a:p>
@@ -1245,7 +1249,7 @@
           <a:p>
             <a:fld id="{F7A897A6-AF08-43F2-B3F3-7297659B764A}" type="datetimeFigureOut">
               <a:rPr lang="ru-RU" smtClean="0"/>
-              <a:t>04.10.2019</a:t>
+              <a:t>11.10.2019</a:t>
             </a:fld>
             <a:endParaRPr lang="ru-RU"/>
           </a:p>
@@ -1612,7 +1616,7 @@
           <a:p>
             <a:fld id="{F7A897A6-AF08-43F2-B3F3-7297659B764A}" type="datetimeFigureOut">
               <a:rPr lang="ru-RU" smtClean="0"/>
-              <a:t>04.10.2019</a:t>
+              <a:t>11.10.2019</a:t>
             </a:fld>
             <a:endParaRPr lang="ru-RU"/>
           </a:p>
@@ -1730,7 +1734,7 @@
           <a:p>
             <a:fld id="{F7A897A6-AF08-43F2-B3F3-7297659B764A}" type="datetimeFigureOut">
               <a:rPr lang="ru-RU" smtClean="0"/>
-              <a:t>04.10.2019</a:t>
+              <a:t>11.10.2019</a:t>
             </a:fld>
             <a:endParaRPr lang="ru-RU"/>
           </a:p>
@@ -1825,7 +1829,7 @@
           <a:p>
             <a:fld id="{F7A897A6-AF08-43F2-B3F3-7297659B764A}" type="datetimeFigureOut">
               <a:rPr lang="ru-RU" smtClean="0"/>
-              <a:t>04.10.2019</a:t>
+              <a:t>11.10.2019</a:t>
             </a:fld>
             <a:endParaRPr lang="ru-RU"/>
           </a:p>
@@ -2102,7 +2106,7 @@
           <a:p>
             <a:fld id="{F7A897A6-AF08-43F2-B3F3-7297659B764A}" type="datetimeFigureOut">
               <a:rPr lang="ru-RU" smtClean="0"/>
-              <a:t>04.10.2019</a:t>
+              <a:t>11.10.2019</a:t>
             </a:fld>
             <a:endParaRPr lang="ru-RU"/>
           </a:p>
@@ -2355,7 +2359,7 @@
           <a:p>
             <a:fld id="{F7A897A6-AF08-43F2-B3F3-7297659B764A}" type="datetimeFigureOut">
               <a:rPr lang="ru-RU" smtClean="0"/>
-              <a:t>04.10.2019</a:t>
+              <a:t>11.10.2019</a:t>
             </a:fld>
             <a:endParaRPr lang="ru-RU"/>
           </a:p>
@@ -2568,7 +2572,7 @@
           <a:p>
             <a:fld id="{F7A897A6-AF08-43F2-B3F3-7297659B764A}" type="datetimeFigureOut">
               <a:rPr lang="ru-RU" smtClean="0"/>
-              <a:t>04.10.2019</a:t>
+              <a:t>11.10.2019</a:t>
             </a:fld>
             <a:endParaRPr lang="ru-RU"/>
           </a:p>
@@ -3025,7 +3029,7 @@
             <a:pPr algn="r"/>
             <a:r>
               <a:rPr lang="ru-RU" dirty="0" smtClean="0"/>
-              <a:t>Безрученко Алексей</a:t>
+              <a:t>Авдосев Никита</a:t>
             </a:r>
             <a:endParaRPr lang="ru-RU" dirty="0"/>
           </a:p>
@@ -3132,12 +3136,12 @@
               <a:t>Используется при концептуальном проектировании баз данных. На последующих этапах проектирования </a:t>
             </a:r>
             <a:r>
-              <a:rPr lang="en-US" dirty="0" smtClean="0"/>
-              <a:t>ER-</a:t>
-            </a:r>
-            <a:r>
               <a:rPr lang="ru-RU" dirty="0" smtClean="0"/>
-              <a:t>модель преобразуется в конкретную схему базы данных.</a:t>
+              <a:t>модель преобразуется </a:t>
+            </a:r>
+            <a:r>
+              <a:rPr lang="ru-RU" dirty="0" smtClean="0"/>
+              <a:t>в конкретную схему базы данных.</a:t>
             </a:r>
           </a:p>
           <a:p>
@@ -3180,114 +3184,96 @@
       </p:grpSpPr>
       <p:sp>
         <p:nvSpPr>
-          <p:cNvPr id="2" name="Заголовок 1"/>
-          <p:cNvSpPr>
-            <a:spLocks noGrp="1"/>
-          </p:cNvSpPr>
-          <p:nvPr>
-            <p:ph type="title"/>
-          </p:nvPr>
-        </p:nvSpPr>
-        <p:spPr/>
-        <p:txBody>
-          <a:bodyPr/>
-          <a:lstStyle/>
-          <a:p>
+          <p:cNvPr id="3" name="Объект 2"/>
+          <p:cNvSpPr>
+            <a:spLocks noGrp="1"/>
+          </p:cNvSpPr>
+          <p:nvPr>
+            <p:ph idx="1"/>
+          </p:nvPr>
+        </p:nvSpPr>
+        <p:spPr>
+          <a:xfrm>
+            <a:off x="899160" y="1250859"/>
+            <a:ext cx="10515600" cy="4351338"/>
+          </a:xfrm>
+        </p:spPr>
+        <p:txBody>
+          <a:bodyPr>
+            <a:normAutofit fontScale="85000" lnSpcReduction="20000"/>
+          </a:bodyPr>
+          <a:lstStyle/>
+          <a:p>
+            <a:pPr marL="0" indent="0">
+              <a:buNone/>
+            </a:pPr>
+            <a:r>
+              <a:rPr lang="ru-RU" dirty="0"/>
+              <a:t>ER-модель представляет собой схему, составными элементами которой являются:</a:t>
+            </a:r>
+          </a:p>
+          <a:p>
+            <a:r>
+              <a:rPr lang="ru-RU" dirty="0"/>
+              <a:t>Сущность — это реальный, либо воображаемый объект, информацию о котором необходимо хранить в базе данных. На диаграмме ER-модели сущность изображается в виде прямоугольника, содержащего имя сущности.</a:t>
+            </a:r>
+          </a:p>
+          <a:p>
+            <a:r>
+              <a:rPr lang="ru-RU" dirty="0"/>
+              <a:t>Связь — отображаемая графически на диаграмме ассоциация между двумя (чаще всего) сущностями, или между одной и той же сущностью (рекурсивная связь). Связь изображается ромбом, на котором выделяются два конца, по одному на каждую сущность. Для каждой стороны этой связи </a:t>
+            </a:r>
             <a:r>
               <a:rPr lang="ru-RU" dirty="0" smtClean="0"/>
-              <a:t>Диаграмма «сущность-связь»</a:t>
-            </a:r>
-            <a:endParaRPr lang="ru-RU" dirty="0"/>
-          </a:p>
-        </p:txBody>
-      </p:sp>
-      <p:sp>
-        <p:nvSpPr>
-          <p:cNvPr id="3" name="Объект 2"/>
-          <p:cNvSpPr>
-            <a:spLocks noGrp="1"/>
-          </p:cNvSpPr>
-          <p:nvPr>
-            <p:ph idx="1"/>
-          </p:nvPr>
-        </p:nvSpPr>
-        <p:spPr/>
-        <p:txBody>
-          <a:bodyPr/>
-          <a:lstStyle/>
-          <a:p>
-            <a:pPr marL="0" indent="0">
-              <a:buNone/>
-            </a:pPr>
-            <a:r>
-              <a:rPr lang="en-US" dirty="0"/>
-              <a:t>ER-</a:t>
+              <a:t>устанавливаются:</a:t>
+            </a:r>
+            <a:br>
+              <a:rPr lang="ru-RU" dirty="0" smtClean="0"/>
+            </a:br>
+            <a:r>
+              <a:rPr lang="ru-RU" dirty="0" smtClean="0"/>
+              <a:t/>
+            </a:r>
+            <a:br>
+              <a:rPr lang="ru-RU" dirty="0" smtClean="0"/>
+            </a:br>
+            <a:r>
+              <a:rPr lang="ru-RU" dirty="0" smtClean="0"/>
+              <a:t>* Степень </a:t>
             </a:r>
             <a:r>
               <a:rPr lang="ru-RU" dirty="0"/>
-              <a:t>модель </a:t>
+              <a:t>связи — сколько экземпляров данной сущности </a:t>
             </a:r>
             <a:r>
               <a:rPr lang="ru-RU" dirty="0" smtClean="0"/>
-              <a:t>можно </a:t>
+              <a:t>связывается</a:t>
+            </a:r>
+            <a:br>
+              <a:rPr lang="ru-RU" dirty="0" smtClean="0"/>
+            </a:br>
+            <a:r>
+              <a:rPr lang="ru-RU" dirty="0" smtClean="0"/>
+              <a:t/>
+            </a:r>
+            <a:br>
+              <a:rPr lang="ru-RU" dirty="0" smtClean="0"/>
+            </a:br>
+            <a:r>
+              <a:rPr lang="ru-RU" dirty="0" smtClean="0"/>
+              <a:t>* Обязательность </a:t>
             </a:r>
             <a:r>
               <a:rPr lang="ru-RU" dirty="0"/>
-              <a:t>описывать текстом, но чаще её визуализируют. </a:t>
-            </a:r>
-            <a:r>
-              <a:rPr lang="ru-RU" dirty="0" smtClean="0"/>
-              <a:t>Стандартным средством </a:t>
-            </a:r>
-            <a:r>
-              <a:rPr lang="ru-RU" dirty="0"/>
-              <a:t>графического представления </a:t>
-            </a:r>
-            <a:r>
-              <a:rPr lang="ru-RU" dirty="0" smtClean="0"/>
-              <a:t>модели «сущность-связь» являются диаграммы «сущность-связь» (или </a:t>
-            </a:r>
-            <a:r>
-              <a:rPr lang="en-US" dirty="0" smtClean="0"/>
-              <a:t>ER-</a:t>
-            </a:r>
-            <a:r>
-              <a:rPr lang="ru-RU" dirty="0" smtClean="0"/>
-              <a:t>диаграммы).</a:t>
-            </a:r>
-          </a:p>
-          <a:p>
-            <a:pPr marL="0" indent="0">
-              <a:buNone/>
-            </a:pPr>
-            <a:r>
-              <a:rPr lang="ru-RU" dirty="0" smtClean="0"/>
-              <a:t>Существуют различные нотации таких диаграмм, например, </a:t>
-            </a:r>
-            <a:r>
-              <a:rPr lang="ru-RU" dirty="0" err="1" smtClean="0"/>
-              <a:t>Чена</a:t>
-            </a:r>
-            <a:r>
-              <a:rPr lang="ru-RU" dirty="0" smtClean="0"/>
-              <a:t> или </a:t>
-            </a:r>
-            <a:r>
-              <a:rPr lang="ru-RU" dirty="0" err="1" smtClean="0"/>
-              <a:t>Баркера</a:t>
-            </a:r>
-            <a:r>
-              <a:rPr lang="ru-RU" dirty="0" smtClean="0"/>
-              <a:t>.</a:t>
-            </a:r>
-            <a:endParaRPr lang="ru-RU" dirty="0"/>
+              <a:t>связи — обязательно ли данная сущность должна участвовать в связи.</a:t>
+            </a:r>
           </a:p>
         </p:txBody>
       </p:sp>
     </p:spTree>
     <p:extLst>
       <p:ext uri="{BB962C8B-B14F-4D97-AF65-F5344CB8AC3E}">
-        <p14:creationId xmlns:p14="http://schemas.microsoft.com/office/powerpoint/2010/main" val="3635457411"/>
+        <p14:creationId xmlns:p14="http://schemas.microsoft.com/office/powerpoint/2010/main" val="1500695132"/>
       </p:ext>
     </p:extLst>
   </p:cSld>
@@ -3314,49 +3300,626 @@
           <a:chExt cx="0" cy="0"/>
         </a:xfrm>
       </p:grpSpPr>
-      <p:pic>
-        <p:nvPicPr>
-          <p:cNvPr id="1026" name="Picture 2" descr="http://asu105.narod.ru/study/db/images/image014.png"/>
-          <p:cNvPicPr>
-            <a:picLocks noGrp="1" noChangeAspect="1" noChangeArrowheads="1"/>
-          </p:cNvPicPr>
+      <p:sp>
+        <p:nvSpPr>
+          <p:cNvPr id="2" name="Заголовок 1"/>
+          <p:cNvSpPr>
+            <a:spLocks noGrp="1"/>
+          </p:cNvSpPr>
+          <p:nvPr>
+            <p:ph type="title"/>
+          </p:nvPr>
+        </p:nvSpPr>
+        <p:spPr/>
+        <p:txBody>
+          <a:bodyPr/>
+          <a:lstStyle/>
+          <a:p>
+            <a:r>
+              <a:rPr lang="ru-RU" dirty="0" smtClean="0"/>
+              <a:t>Пример</a:t>
+            </a:r>
+            <a:endParaRPr lang="ru-RU" dirty="0"/>
+          </a:p>
+        </p:txBody>
+      </p:sp>
+      <p:sp>
+        <p:nvSpPr>
+          <p:cNvPr id="3" name="Объект 2"/>
+          <p:cNvSpPr>
+            <a:spLocks noGrp="1"/>
+          </p:cNvSpPr>
           <p:nvPr>
             <p:ph idx="1"/>
           </p:nvPr>
-        </p:nvPicPr>
-        <p:blipFill>
-          <a:blip r:embed="rId2">
-            <a:extLst>
-              <a:ext uri="{28A0092B-C50C-407E-A947-70E740481C1C}">
-                <a14:useLocalDpi xmlns:a14="http://schemas.microsoft.com/office/drawing/2010/main" val="0"/>
-              </a:ext>
-            </a:extLst>
-          </a:blip>
-          <a:srcRect/>
-          <a:stretch>
-            <a:fillRect/>
-          </a:stretch>
-        </p:blipFill>
-        <p:spPr bwMode="auto">
+        </p:nvSpPr>
+        <p:spPr>
           <a:xfrm>
-            <a:off x="344666" y="0"/>
-            <a:ext cx="11539164" cy="6858000"/>
+            <a:off x="838200" y="1825625"/>
+            <a:ext cx="10515600" cy="969826"/>
+          </a:xfrm>
+        </p:spPr>
+        <p:txBody>
+          <a:bodyPr/>
+          <a:lstStyle/>
+          <a:p>
+            <a:pPr marL="0" indent="0">
+              <a:buNone/>
+            </a:pPr>
+            <a:r>
+              <a:rPr lang="ru-RU" dirty="0"/>
+              <a:t>Пусть необходимо хранить информацию о клиентах и их заказах. Построим </a:t>
+            </a:r>
+            <a:r>
+              <a:rPr lang="ru-RU" dirty="0" smtClean="0"/>
+              <a:t>диаграмму:</a:t>
+            </a:r>
+            <a:endParaRPr lang="ru-RU" dirty="0"/>
+          </a:p>
+        </p:txBody>
+      </p:sp>
+      <p:sp>
+        <p:nvSpPr>
+          <p:cNvPr id="7" name="Прямоугольник 6"/>
+          <p:cNvSpPr/>
+          <p:nvPr/>
+        </p:nvSpPr>
+        <p:spPr>
+          <a:xfrm>
+            <a:off x="2795452" y="3078433"/>
+            <a:ext cx="1724297" cy="505097"/>
+          </a:xfrm>
+          <a:prstGeom prst="rect">
+            <a:avLst/>
+          </a:prstGeom>
+        </p:spPr>
+        <p:style>
+          <a:lnRef idx="2">
+            <a:schemeClr val="accent1">
+              <a:shade val="50000"/>
+            </a:schemeClr>
+          </a:lnRef>
+          <a:fillRef idx="1">
+            <a:schemeClr val="accent1"/>
+          </a:fillRef>
+          <a:effectRef idx="0">
+            <a:schemeClr val="accent1"/>
+          </a:effectRef>
+          <a:fontRef idx="minor">
+            <a:schemeClr val="lt1"/>
+          </a:fontRef>
+        </p:style>
+        <p:txBody>
+          <a:bodyPr rtlCol="0" anchor="ctr"/>
+          <a:lstStyle/>
+          <a:p>
+            <a:pPr algn="ctr"/>
+            <a:r>
+              <a:rPr lang="ru-RU" dirty="0" smtClean="0"/>
+              <a:t>Клиент</a:t>
+            </a:r>
+            <a:endParaRPr lang="ru-RU" dirty="0"/>
+          </a:p>
+        </p:txBody>
+      </p:sp>
+      <p:sp>
+        <p:nvSpPr>
+          <p:cNvPr id="8" name="Прямоугольник 7"/>
+          <p:cNvSpPr/>
+          <p:nvPr/>
+        </p:nvSpPr>
+        <p:spPr>
+          <a:xfrm>
+            <a:off x="7689669" y="3078433"/>
+            <a:ext cx="1976846" cy="505097"/>
+          </a:xfrm>
+          <a:prstGeom prst="rect">
+            <a:avLst/>
+          </a:prstGeom>
+        </p:spPr>
+        <p:style>
+          <a:lnRef idx="2">
+            <a:schemeClr val="accent1">
+              <a:shade val="50000"/>
+            </a:schemeClr>
+          </a:lnRef>
+          <a:fillRef idx="1">
+            <a:schemeClr val="accent1"/>
+          </a:fillRef>
+          <a:effectRef idx="0">
+            <a:schemeClr val="accent1"/>
+          </a:effectRef>
+          <a:fontRef idx="minor">
+            <a:schemeClr val="lt1"/>
+          </a:fontRef>
+        </p:style>
+        <p:txBody>
+          <a:bodyPr rtlCol="0" anchor="ctr"/>
+          <a:lstStyle/>
+          <a:p>
+            <a:pPr algn="ctr"/>
+            <a:r>
+              <a:rPr lang="ru-RU" dirty="0" smtClean="0"/>
+              <a:t>Заказ</a:t>
+            </a:r>
+            <a:endParaRPr lang="ru-RU" dirty="0"/>
+          </a:p>
+        </p:txBody>
+      </p:sp>
+      <p:sp>
+        <p:nvSpPr>
+          <p:cNvPr id="9" name="Блок-схема: решение 8"/>
+          <p:cNvSpPr/>
+          <p:nvPr/>
+        </p:nvSpPr>
+        <p:spPr>
+          <a:xfrm>
+            <a:off x="5259978" y="2956514"/>
+            <a:ext cx="1689462" cy="748937"/>
+          </a:xfrm>
+          <a:prstGeom prst="flowChartDecision">
+            <a:avLst/>
+          </a:prstGeom>
+        </p:spPr>
+        <p:style>
+          <a:lnRef idx="2">
+            <a:schemeClr val="accent1">
+              <a:shade val="50000"/>
+            </a:schemeClr>
+          </a:lnRef>
+          <a:fillRef idx="1">
+            <a:schemeClr val="accent1"/>
+          </a:fillRef>
+          <a:effectRef idx="0">
+            <a:schemeClr val="accent1"/>
+          </a:effectRef>
+          <a:fontRef idx="minor">
+            <a:schemeClr val="lt1"/>
+          </a:fontRef>
+        </p:style>
+        <p:txBody>
+          <a:bodyPr rtlCol="0" anchor="ctr"/>
+          <a:lstStyle/>
+          <a:p>
+            <a:pPr algn="ctr"/>
+            <a:r>
+              <a:rPr lang="ru-RU" sz="1200" dirty="0" smtClean="0"/>
+              <a:t>сделал</a:t>
+            </a:r>
+            <a:endParaRPr lang="ru-RU" sz="1200" dirty="0"/>
+          </a:p>
+        </p:txBody>
+      </p:sp>
+      <p:cxnSp>
+        <p:nvCxnSpPr>
+          <p:cNvPr id="13" name="Прямая со стрелкой 12"/>
+          <p:cNvCxnSpPr>
+            <a:stCxn id="9" idx="3"/>
+            <a:endCxn id="8" idx="1"/>
+          </p:cNvCxnSpPr>
+          <p:nvPr/>
+        </p:nvCxnSpPr>
+        <p:spPr>
+          <a:xfrm flipV="1">
+            <a:off x="6949440" y="3330982"/>
+            <a:ext cx="740229" cy="1"/>
+          </a:xfrm>
+          <a:prstGeom prst="straightConnector1">
+            <a:avLst/>
+          </a:prstGeom>
+          <a:ln>
+            <a:tailEnd type="triangle"/>
+          </a:ln>
+        </p:spPr>
+        <p:style>
+          <a:lnRef idx="1">
+            <a:schemeClr val="accent1"/>
+          </a:lnRef>
+          <a:fillRef idx="0">
+            <a:schemeClr val="accent1"/>
+          </a:fillRef>
+          <a:effectRef idx="0">
+            <a:schemeClr val="accent1"/>
+          </a:effectRef>
+          <a:fontRef idx="minor">
+            <a:schemeClr val="tx1"/>
+          </a:fontRef>
+        </p:style>
+      </p:cxnSp>
+      <p:sp>
+        <p:nvSpPr>
+          <p:cNvPr id="15" name="Прямоугольник 14"/>
+          <p:cNvSpPr/>
+          <p:nvPr/>
+        </p:nvSpPr>
+        <p:spPr>
+          <a:xfrm>
+            <a:off x="7506789" y="3235187"/>
+            <a:ext cx="182880" cy="191588"/>
+          </a:xfrm>
+          <a:prstGeom prst="rect">
+            <a:avLst/>
+          </a:prstGeom>
+        </p:spPr>
+        <p:style>
+          <a:lnRef idx="2">
+            <a:schemeClr val="accent1">
+              <a:shade val="50000"/>
+            </a:schemeClr>
+          </a:lnRef>
+          <a:fillRef idx="1">
+            <a:schemeClr val="accent1"/>
+          </a:fillRef>
+          <a:effectRef idx="0">
+            <a:schemeClr val="accent1"/>
+          </a:effectRef>
+          <a:fontRef idx="minor">
+            <a:schemeClr val="lt1"/>
+          </a:fontRef>
+        </p:style>
+        <p:txBody>
+          <a:bodyPr rtlCol="0" anchor="ctr"/>
+          <a:lstStyle/>
+          <a:p>
+            <a:pPr algn="ctr"/>
+            <a:endParaRPr lang="ru-RU"/>
+          </a:p>
+        </p:txBody>
+      </p:sp>
+      <p:sp>
+        <p:nvSpPr>
+          <p:cNvPr id="16" name="Прямоугольник 15"/>
+          <p:cNvSpPr/>
+          <p:nvPr/>
+        </p:nvSpPr>
+        <p:spPr>
+          <a:xfrm>
+            <a:off x="838200" y="3957998"/>
+            <a:ext cx="8305800" cy="2031325"/>
+          </a:xfrm>
+          <a:prstGeom prst="rect">
+            <a:avLst/>
+          </a:prstGeom>
+        </p:spPr>
+        <p:txBody>
+          <a:bodyPr wrap="square">
+            <a:spAutoFit/>
+          </a:bodyPr>
+          <a:lstStyle/>
+          <a:p>
+            <a:r>
+              <a:rPr lang="ru-RU" dirty="0"/>
+              <a:t>Заметим, что со стороны сущности «ЗАКАЗ» связь обозначена дополнительным прямоугольником — это обозначение того, что каждому экземпляру сущности «ЗАКАЗ» соответствует экземпляр сущности «КЛИЕНТ» (для клиента же наличие заказа не обязательно). </a:t>
+            </a:r>
+            <a:r>
+              <a:rPr lang="ru-RU" dirty="0" smtClean="0"/>
+              <a:t>Также степени «М» означает, </a:t>
+            </a:r>
+            <a:r>
+              <a:rPr lang="ru-RU" dirty="0"/>
+              <a:t>что для каждого экземпляра сущности «КЛИЕНТ» могут существовать несколько экземпляров сущности «ЗАКАЗ» (но не наоборот, поскольку для каждого заказа всегда только один заказчик — ставим степень «1»)</a:t>
+            </a:r>
+          </a:p>
+        </p:txBody>
+      </p:sp>
+      <p:sp>
+        <p:nvSpPr>
+          <p:cNvPr id="17" name="TextBox 16"/>
+          <p:cNvSpPr txBox="1"/>
+          <p:nvPr/>
+        </p:nvSpPr>
+        <p:spPr>
+          <a:xfrm>
+            <a:off x="4528775" y="2956514"/>
+            <a:ext cx="301686" cy="369332"/>
           </a:xfrm>
           <a:prstGeom prst="rect">
             <a:avLst/>
           </a:prstGeom>
           <a:noFill/>
-          <a:extLst>
-            <a:ext uri="{909E8E84-426E-40DD-AFC4-6F175D3DCCD1}">
-              <a14:hiddenFill xmlns:a14="http://schemas.microsoft.com/office/drawing/2010/main">
-                <a:solidFill>
-                  <a:srgbClr val="FFFFFF"/>
-                </a:solidFill>
-              </a14:hiddenFill>
-            </a:ext>
-          </a:extLst>
+        </p:spPr>
+        <p:txBody>
+          <a:bodyPr wrap="none" rtlCol="0">
+            <a:spAutoFit/>
+          </a:bodyPr>
+          <a:lstStyle/>
+          <a:p>
+            <a:r>
+              <a:rPr lang="ru-RU" dirty="0" smtClean="0"/>
+              <a:t>1</a:t>
+            </a:r>
+            <a:endParaRPr lang="ru-RU" dirty="0"/>
+          </a:p>
+        </p:txBody>
+      </p:sp>
+      <p:sp>
+        <p:nvSpPr>
+          <p:cNvPr id="18" name="TextBox 17"/>
+          <p:cNvSpPr txBox="1"/>
+          <p:nvPr/>
+        </p:nvSpPr>
+        <p:spPr>
+          <a:xfrm>
+            <a:off x="7128636" y="2950371"/>
+            <a:ext cx="381836" cy="369332"/>
+          </a:xfrm>
+          <a:prstGeom prst="rect">
+            <a:avLst/>
+          </a:prstGeom>
+          <a:noFill/>
+        </p:spPr>
+        <p:txBody>
+          <a:bodyPr wrap="none" rtlCol="0">
+            <a:spAutoFit/>
+          </a:bodyPr>
+          <a:lstStyle/>
+          <a:p>
+            <a:r>
+              <a:rPr lang="ru-RU" dirty="0" smtClean="0"/>
+              <a:t>М</a:t>
+            </a:r>
+            <a:endParaRPr lang="ru-RU" dirty="0"/>
+          </a:p>
+        </p:txBody>
+      </p:sp>
+      <p:cxnSp>
+        <p:nvCxnSpPr>
+          <p:cNvPr id="20" name="Прямая соединительная линия 19"/>
+          <p:cNvCxnSpPr>
+            <a:stCxn id="7" idx="3"/>
+            <a:endCxn id="9" idx="1"/>
+          </p:cNvCxnSpPr>
+          <p:nvPr/>
+        </p:nvCxnSpPr>
+        <p:spPr>
+          <a:xfrm>
+            <a:off x="4519749" y="3330982"/>
+            <a:ext cx="740229" cy="1"/>
+          </a:xfrm>
+          <a:prstGeom prst="line">
+            <a:avLst/>
+          </a:prstGeom>
+        </p:spPr>
+        <p:style>
+          <a:lnRef idx="1">
+            <a:schemeClr val="accent1"/>
+          </a:lnRef>
+          <a:fillRef idx="0">
+            <a:schemeClr val="accent1"/>
+          </a:fillRef>
+          <a:effectRef idx="0">
+            <a:schemeClr val="accent1"/>
+          </a:effectRef>
+          <a:fontRef idx="minor">
+            <a:schemeClr val="tx1"/>
+          </a:fontRef>
+        </p:style>
+      </p:cxnSp>
+    </p:spTree>
+    <p:extLst>
+      <p:ext uri="{BB962C8B-B14F-4D97-AF65-F5344CB8AC3E}">
+        <p14:creationId xmlns:p14="http://schemas.microsoft.com/office/powerpoint/2010/main" val="1769623714"/>
+      </p:ext>
+    </p:extLst>
+  </p:cSld>
+  <p:clrMapOvr>
+    <a:masterClrMapping/>
+  </p:clrMapOvr>
+</p:sld>
+</file>
+
+<file path=ppt/slides/slide5.xml><?xml version="1.0" encoding="utf-8"?>
+<p:sld xmlns:a="http://schemas.openxmlformats.org/drawingml/2006/main" xmlns:r="http://schemas.openxmlformats.org/officeDocument/2006/relationships" xmlns:p="http://schemas.openxmlformats.org/presentationml/2006/main">
+  <p:cSld>
+    <p:spTree>
+      <p:nvGrpSpPr>
+        <p:cNvPr id="1" name=""/>
+        <p:cNvGrpSpPr/>
+        <p:nvPr/>
+      </p:nvGrpSpPr>
+      <p:grpSpPr>
+        <a:xfrm>
+          <a:off x="0" y="0"/>
+          <a:ext cx="0" cy="0"/>
+          <a:chOff x="0" y="0"/>
+          <a:chExt cx="0" cy="0"/>
+        </a:xfrm>
+      </p:grpSpPr>
+      <p:sp>
+        <p:nvSpPr>
+          <p:cNvPr id="2" name="Заголовок 1"/>
+          <p:cNvSpPr>
+            <a:spLocks noGrp="1"/>
+          </p:cNvSpPr>
+          <p:nvPr>
+            <p:ph type="title"/>
+          </p:nvPr>
+        </p:nvSpPr>
+        <p:spPr/>
+        <p:txBody>
+          <a:bodyPr/>
+          <a:lstStyle/>
+          <a:p>
+            <a:r>
+              <a:rPr lang="ru-RU" dirty="0" smtClean="0"/>
+              <a:t>Диаграмма «сущность-связь»</a:t>
+            </a:r>
+            <a:endParaRPr lang="ru-RU" dirty="0"/>
+          </a:p>
+        </p:txBody>
+      </p:sp>
+      <p:sp>
+        <p:nvSpPr>
+          <p:cNvPr id="3" name="Объект 2"/>
+          <p:cNvSpPr>
+            <a:spLocks noGrp="1"/>
+          </p:cNvSpPr>
+          <p:nvPr>
+            <p:ph idx="1"/>
+          </p:nvPr>
+        </p:nvSpPr>
+        <p:spPr/>
+        <p:txBody>
+          <a:bodyPr/>
+          <a:lstStyle/>
+          <a:p>
+            <a:pPr marL="0" indent="0">
+              <a:buNone/>
+            </a:pPr>
+            <a:r>
+              <a:rPr lang="en-US" dirty="0"/>
+              <a:t>ER-</a:t>
+            </a:r>
+            <a:r>
+              <a:rPr lang="ru-RU" dirty="0"/>
+              <a:t>модель </a:t>
+            </a:r>
+            <a:r>
+              <a:rPr lang="ru-RU" dirty="0" smtClean="0"/>
+              <a:t>можно </a:t>
+            </a:r>
+            <a:r>
+              <a:rPr lang="ru-RU" dirty="0"/>
+              <a:t>описывать текстом, но чаще её визуализируют. </a:t>
+            </a:r>
+            <a:r>
+              <a:rPr lang="ru-RU" dirty="0" smtClean="0"/>
+              <a:t>Стандартным средством </a:t>
+            </a:r>
+            <a:r>
+              <a:rPr lang="ru-RU" dirty="0"/>
+              <a:t>графического представления </a:t>
+            </a:r>
+            <a:r>
+              <a:rPr lang="ru-RU" dirty="0" smtClean="0"/>
+              <a:t>модели «сущность-связь» являются диаграммы «сущность-связь» (или </a:t>
+            </a:r>
+            <a:r>
+              <a:rPr lang="en-US" dirty="0" smtClean="0"/>
+              <a:t>ER-</a:t>
+            </a:r>
+            <a:r>
+              <a:rPr lang="ru-RU" dirty="0" smtClean="0"/>
+              <a:t>диаграммы).</a:t>
+            </a:r>
+          </a:p>
+          <a:p>
+            <a:pPr marL="0" indent="0">
+              <a:buNone/>
+            </a:pPr>
+            <a:r>
+              <a:rPr lang="ru-RU" dirty="0" smtClean="0"/>
+              <a:t>Существуют различные нотации таких диаграмм, например, </a:t>
+            </a:r>
+            <a:r>
+              <a:rPr lang="ru-RU" dirty="0" smtClean="0"/>
+              <a:t>Питера </a:t>
+            </a:r>
+            <a:r>
+              <a:rPr lang="ru-RU" dirty="0" err="1" smtClean="0"/>
+              <a:t>Чена</a:t>
+            </a:r>
+            <a:r>
+              <a:rPr lang="ru-RU" dirty="0" smtClean="0"/>
+              <a:t> </a:t>
+            </a:r>
+            <a:r>
+              <a:rPr lang="ru-RU" dirty="0" smtClean="0"/>
+              <a:t>или </a:t>
+            </a:r>
+            <a:r>
+              <a:rPr lang="en-US" dirty="0"/>
+              <a:t>Crow’s Foot</a:t>
+            </a:r>
+            <a:r>
+              <a:rPr lang="ru-RU" dirty="0" smtClean="0"/>
+              <a:t>.</a:t>
+            </a:r>
+            <a:endParaRPr lang="ru-RU" dirty="0"/>
+          </a:p>
+        </p:txBody>
+      </p:sp>
+    </p:spTree>
+    <p:extLst>
+      <p:ext uri="{BB962C8B-B14F-4D97-AF65-F5344CB8AC3E}">
+        <p14:creationId xmlns:p14="http://schemas.microsoft.com/office/powerpoint/2010/main" val="3635457411"/>
+      </p:ext>
+    </p:extLst>
+  </p:cSld>
+  <p:clrMapOvr>
+    <a:masterClrMapping/>
+  </p:clrMapOvr>
+</p:sld>
+</file>
+
+<file path=ppt/slides/slide6.xml><?xml version="1.0" encoding="utf-8"?>
+<p:sld xmlns:a="http://schemas.openxmlformats.org/drawingml/2006/main" xmlns:r="http://schemas.openxmlformats.org/officeDocument/2006/relationships" xmlns:p="http://schemas.openxmlformats.org/presentationml/2006/main">
+  <p:cSld>
+    <p:spTree>
+      <p:nvGrpSpPr>
+        <p:cNvPr id="1" name=""/>
+        <p:cNvGrpSpPr/>
+        <p:nvPr/>
+      </p:nvGrpSpPr>
+      <p:grpSpPr>
+        <a:xfrm>
+          <a:off x="0" y="0"/>
+          <a:ext cx="0" cy="0"/>
+          <a:chOff x="0" y="0"/>
+          <a:chExt cx="0" cy="0"/>
+        </a:xfrm>
+      </p:grpSpPr>
+      <p:pic>
+        <p:nvPicPr>
+          <p:cNvPr id="3" name="Рисунок 2"/>
+          <p:cNvPicPr>
+            <a:picLocks noChangeAspect="1"/>
+          </p:cNvPicPr>
+          <p:nvPr/>
+        </p:nvPicPr>
+        <p:blipFill>
+          <a:blip r:embed="rId2"/>
+          <a:stretch>
+            <a:fillRect/>
+          </a:stretch>
+        </p:blipFill>
+        <p:spPr>
+          <a:xfrm>
+            <a:off x="2395603" y="2116184"/>
+            <a:ext cx="7400794" cy="3802056"/>
+          </a:xfrm>
+          <a:prstGeom prst="rect">
+            <a:avLst/>
+          </a:prstGeom>
         </p:spPr>
       </p:pic>
+      <p:sp>
+        <p:nvSpPr>
+          <p:cNvPr id="4" name="Заголовок 3"/>
+          <p:cNvSpPr>
+            <a:spLocks noGrp="1"/>
+          </p:cNvSpPr>
+          <p:nvPr>
+            <p:ph type="title"/>
+          </p:nvPr>
+        </p:nvSpPr>
+        <p:spPr/>
+        <p:txBody>
+          <a:bodyPr/>
+          <a:lstStyle/>
+          <a:p>
+            <a:r>
+              <a:rPr lang="ru-RU" dirty="0" smtClean="0"/>
+              <a:t>Нотация Питера </a:t>
+            </a:r>
+            <a:r>
+              <a:rPr lang="ru-RU" dirty="0" err="1" smtClean="0"/>
+              <a:t>Чена</a:t>
+            </a:r>
+            <a:endParaRPr lang="ru-RU" dirty="0"/>
+          </a:p>
+        </p:txBody>
+      </p:sp>
     </p:spTree>
     <p:extLst>
       <p:ext uri="{BB962C8B-B14F-4D97-AF65-F5344CB8AC3E}">
@@ -3377,7 +3940,7 @@
 </p:sld>
 </file>
 
-<file path=ppt/slides/slide5.xml><?xml version="1.0" encoding="utf-8"?>
+<file path=ppt/slides/slide7.xml><?xml version="1.0" encoding="utf-8"?>
 <p:sld xmlns:a="http://schemas.openxmlformats.org/drawingml/2006/main" xmlns:r="http://schemas.openxmlformats.org/officeDocument/2006/relationships" xmlns:p="http://schemas.openxmlformats.org/presentationml/2006/main">
   <p:cSld>
     <p:spTree>
@@ -3406,6 +3969,92 @@
         </p:nvSpPr>
         <p:spPr/>
         <p:txBody>
+          <a:bodyPr/>
+          <a:lstStyle/>
+          <a:p>
+            <a:r>
+              <a:rPr lang="ru-RU" dirty="0"/>
+              <a:t>Нотация </a:t>
+            </a:r>
+            <a:r>
+              <a:rPr lang="en-US" dirty="0"/>
+              <a:t>Crow`s Foot</a:t>
+            </a:r>
+            <a:endParaRPr lang="ru-RU" dirty="0"/>
+          </a:p>
+        </p:txBody>
+      </p:sp>
+      <p:pic>
+        <p:nvPicPr>
+          <p:cNvPr id="7" name="Рисунок 6"/>
+          <p:cNvPicPr>
+            <a:picLocks noChangeAspect="1"/>
+          </p:cNvPicPr>
+          <p:nvPr/>
+        </p:nvPicPr>
+        <p:blipFill>
+          <a:blip r:embed="rId2"/>
+          <a:stretch>
+            <a:fillRect/>
+          </a:stretch>
+        </p:blipFill>
+        <p:spPr>
+          <a:xfrm>
+            <a:off x="2595562" y="2261507"/>
+            <a:ext cx="7000875" cy="3467100"/>
+          </a:xfrm>
+          <a:prstGeom prst="rect">
+            <a:avLst/>
+          </a:prstGeom>
+        </p:spPr>
+      </p:pic>
+    </p:spTree>
+    <p:extLst>
+      <p:ext uri="{BB962C8B-B14F-4D97-AF65-F5344CB8AC3E}">
+        <p14:creationId xmlns:p14="http://schemas.microsoft.com/office/powerpoint/2010/main" val="3394993528"/>
+      </p:ext>
+    </p:extLst>
+  </p:cSld>
+  <p:clrMapOvr>
+    <a:masterClrMapping/>
+  </p:clrMapOvr>
+</p:sld>
+</file>
+
+<file path=ppt/slides/slide8.xml><?xml version="1.0" encoding="utf-8"?>
+<p:sld xmlns:a="http://schemas.openxmlformats.org/drawingml/2006/main" xmlns:r="http://schemas.openxmlformats.org/officeDocument/2006/relationships" xmlns:p="http://schemas.openxmlformats.org/presentationml/2006/main">
+  <p:cSld>
+    <p:spTree>
+      <p:nvGrpSpPr>
+        <p:cNvPr id="1" name=""/>
+        <p:cNvGrpSpPr/>
+        <p:nvPr/>
+      </p:nvGrpSpPr>
+      <p:grpSpPr>
+        <a:xfrm>
+          <a:off x="0" y="0"/>
+          <a:ext cx="0" cy="0"/>
+          <a:chOff x="0" y="0"/>
+          <a:chExt cx="0" cy="0"/>
+        </a:xfrm>
+      </p:grpSpPr>
+      <p:sp>
+        <p:nvSpPr>
+          <p:cNvPr id="2" name="Заголовок 1"/>
+          <p:cNvSpPr>
+            <a:spLocks noGrp="1"/>
+          </p:cNvSpPr>
+          <p:nvPr>
+            <p:ph type="title"/>
+          </p:nvPr>
+        </p:nvSpPr>
+        <p:spPr>
+          <a:xfrm>
+            <a:off x="838200" y="217714"/>
+            <a:ext cx="10515600" cy="1002711"/>
+          </a:xfrm>
+        </p:spPr>
+        <p:txBody>
           <a:bodyPr>
             <a:noAutofit/>
           </a:bodyPr>
@@ -3413,15 +4062,19 @@
           <a:p>
             <a:r>
               <a:rPr lang="ru-RU" sz="4000" dirty="0" smtClean="0"/>
-              <a:t>Построение диаграммы (в нотации </a:t>
-            </a:r>
-            <a:r>
-              <a:rPr lang="ru-RU" sz="4000" dirty="0" err="1" smtClean="0"/>
-              <a:t>Баркера</a:t>
+              <a:t>Нотаци</a:t>
+            </a:r>
+            <a:r>
+              <a:rPr lang="ru-RU" sz="4000" dirty="0"/>
+              <a:t>я</a:t>
             </a:r>
             <a:r>
               <a:rPr lang="ru-RU" sz="4000" dirty="0" smtClean="0"/>
-              <a:t>)</a:t>
+              <a:t> </a:t>
+            </a:r>
+            <a:r>
+              <a:rPr lang="en-US" sz="4000" dirty="0" smtClean="0"/>
+              <a:t>Crow`s Foot</a:t>
             </a:r>
             <a:endParaRPr lang="ru-RU" sz="4000" dirty="0"/>
           </a:p>
@@ -3439,45 +4092,78 @@
         </p:nvSpPr>
         <p:spPr>
           <a:xfrm>
-            <a:off x="838200" y="1825625"/>
-            <a:ext cx="10515600" cy="3174018"/>
+            <a:off x="838200" y="1220425"/>
+            <a:ext cx="6912429" cy="3483126"/>
           </a:xfrm>
         </p:spPr>
         <p:txBody>
-          <a:bodyPr/>
-          <a:lstStyle/>
-          <a:p>
-            <a:r>
-              <a:rPr lang="ru-RU" dirty="0" smtClean="0"/>
-              <a:t>Каждая сущность изображается прямоугольником с именем сущности в верхней части</a:t>
-            </a:r>
-          </a:p>
-          <a:p>
-            <a:r>
-              <a:rPr lang="ru-RU" dirty="0" smtClean="0"/>
-              <a:t>Ниже, в прямоугольнике, указываются атрибуты</a:t>
-            </a:r>
-          </a:p>
-          <a:p>
-            <a:r>
-              <a:rPr lang="ru-RU" dirty="0" smtClean="0"/>
-              <a:t>Если сущности участвуют в отношении, они связаны линией</a:t>
-            </a:r>
-          </a:p>
-          <a:p>
-            <a:r>
-              <a:rPr lang="ru-RU" dirty="0" smtClean="0"/>
-              <a:t>Указанием единицы или </a:t>
-            </a:r>
-            <a:r>
-              <a:rPr lang="en-US" dirty="0" smtClean="0"/>
-              <a:t>n</a:t>
-            </a:r>
-            <a:r>
-              <a:rPr lang="ru-RU" dirty="0" smtClean="0"/>
-              <a:t> у краев этой линии можно указать вид связи: «один к одному» или «один к многим». Это же можно сделать с помощью «вороньей лапки»:</a:t>
-            </a:r>
-            <a:endParaRPr lang="ru-RU" dirty="0"/>
+          <a:bodyPr>
+            <a:noAutofit/>
+          </a:bodyPr>
+          <a:lstStyle/>
+          <a:p>
+            <a:r>
+              <a:rPr lang="ru-RU" sz="1400" dirty="0" smtClean="0"/>
+              <a:t>Сущность </a:t>
+            </a:r>
+            <a:r>
+              <a:rPr lang="ru-RU" sz="1400" dirty="0"/>
+              <a:t>изображается в виде прямоугольника, содержащего её имя, выражаемое </a:t>
+            </a:r>
+            <a:r>
+              <a:rPr lang="ru-RU" sz="1400" dirty="0" smtClean="0"/>
+              <a:t>существительным. </a:t>
+            </a:r>
+            <a:r>
+              <a:rPr lang="ru-RU" sz="1400" dirty="0"/>
+              <a:t>Имя сущности должно быть уникальным в рамках одной модели. При этом, имя сущности — это имя типа, а не конкретного экземпляра данного типа. Экземпляром сущности называется конкретный представитель данной сущности</a:t>
+            </a:r>
+            <a:r>
+              <a:rPr lang="ru-RU" sz="1400" dirty="0" smtClean="0"/>
+              <a:t>.</a:t>
+            </a:r>
+            <a:endParaRPr lang="ru-RU" sz="1400" dirty="0"/>
+          </a:p>
+          <a:p>
+            <a:r>
+              <a:rPr lang="ru-RU" sz="1400" dirty="0"/>
+              <a:t>Связь изображается линией, которая связывает две сущности, участвующие в отношении. </a:t>
+            </a:r>
+            <a:endParaRPr lang="ru-RU" sz="1400" dirty="0" smtClean="0"/>
+          </a:p>
+          <a:p>
+            <a:r>
+              <a:rPr lang="ru-RU" sz="1400" dirty="0" smtClean="0"/>
+              <a:t>Именование </a:t>
+            </a:r>
+            <a:r>
+              <a:rPr lang="ru-RU" sz="1400" dirty="0"/>
+              <a:t>обычно выражается одним </a:t>
+            </a:r>
+            <a:r>
+              <a:rPr lang="ru-RU" sz="1400" dirty="0" smtClean="0"/>
+              <a:t>глаголом </a:t>
+            </a:r>
+            <a:r>
+              <a:rPr lang="ru-RU" sz="1400" dirty="0"/>
+              <a:t>в изъявительном наклонении настоящего времени: «имеет», «принадлежит» и т. д.; или глаголом с поясняющими словами: «включает в себя», и т. п. Наименование может быть одно для всей связи или два для каждого из концов связи. Во втором случае, название левого конца связи указывается над линией связи, а правого — под линией. Каждое из названий располагаются рядом с сущностью, к которой оно относится</a:t>
+            </a:r>
+            <a:r>
+              <a:rPr lang="ru-RU" sz="1400" dirty="0" smtClean="0"/>
+              <a:t>.</a:t>
+            </a:r>
+            <a:endParaRPr lang="ru-RU" sz="1400" dirty="0"/>
+          </a:p>
+          <a:p>
+            <a:r>
+              <a:rPr lang="ru-RU" sz="1400" dirty="0"/>
+              <a:t>Атрибуты сущности записываются внутри прямоугольника, изображающего сущность, и выражаются существительным в единственном числе (возможно, с уточняющими </a:t>
+            </a:r>
+            <a:r>
+              <a:rPr lang="ru-RU" sz="1400" dirty="0" smtClean="0"/>
+              <a:t>словами.</a:t>
+            </a:r>
+            <a:endParaRPr lang="ru-RU" sz="1400" dirty="0"/>
           </a:p>
         </p:txBody>
       </p:sp>
@@ -3504,8 +4190,8 @@
         </p:blipFill>
         <p:spPr bwMode="auto">
           <a:xfrm>
-            <a:off x="2478087" y="4999643"/>
-            <a:ext cx="7237413" cy="1858357"/>
+            <a:off x="3287984" y="5210188"/>
+            <a:ext cx="5603467" cy="1438807"/>
           </a:xfrm>
           <a:prstGeom prst="rect">
             <a:avLst/>
@@ -3520,6 +4206,30 @@
               </a14:hiddenFill>
             </a:ext>
           </a:extLst>
+        </p:spPr>
+      </p:pic>
+      <p:pic>
+        <p:nvPicPr>
+          <p:cNvPr id="5" name="Рисунок 4"/>
+          <p:cNvPicPr>
+            <a:picLocks noChangeAspect="1"/>
+          </p:cNvPicPr>
+          <p:nvPr/>
+        </p:nvPicPr>
+        <p:blipFill>
+          <a:blip r:embed="rId3"/>
+          <a:stretch>
+            <a:fillRect/>
+          </a:stretch>
+        </p:blipFill>
+        <p:spPr>
+          <a:xfrm>
+            <a:off x="7750629" y="1344371"/>
+            <a:ext cx="4186773" cy="3235234"/>
+          </a:xfrm>
+          <a:prstGeom prst="rect">
+            <a:avLst/>
+          </a:prstGeom>
         </p:spPr>
       </p:pic>
     </p:spTree>
@@ -3539,6 +4249,64 @@
       </p:par>
     </p:tnLst>
   </p:timing>
+</p:sld>
+</file>
+
+<file path=ppt/slides/slide9.xml><?xml version="1.0" encoding="utf-8"?>
+<p:sld xmlns:a="http://schemas.openxmlformats.org/drawingml/2006/main" xmlns:r="http://schemas.openxmlformats.org/officeDocument/2006/relationships" xmlns:p="http://schemas.openxmlformats.org/presentationml/2006/main">
+  <p:cSld>
+    <p:spTree>
+      <p:nvGrpSpPr>
+        <p:cNvPr id="1" name=""/>
+        <p:cNvGrpSpPr/>
+        <p:nvPr/>
+      </p:nvGrpSpPr>
+      <p:grpSpPr>
+        <a:xfrm>
+          <a:off x="0" y="0"/>
+          <a:ext cx="0" cy="0"/>
+          <a:chOff x="0" y="0"/>
+          <a:chExt cx="0" cy="0"/>
+        </a:xfrm>
+      </p:grpSpPr>
+      <p:sp>
+        <p:nvSpPr>
+          <p:cNvPr id="4" name="Заголовок 3"/>
+          <p:cNvSpPr>
+            <a:spLocks noGrp="1"/>
+          </p:cNvSpPr>
+          <p:nvPr>
+            <p:ph type="title"/>
+          </p:nvPr>
+        </p:nvSpPr>
+        <p:spPr>
+          <a:xfrm>
+            <a:off x="3250473" y="2620644"/>
+            <a:ext cx="5475515" cy="1325563"/>
+          </a:xfrm>
+        </p:spPr>
+        <p:txBody>
+          <a:bodyPr/>
+          <a:lstStyle/>
+          <a:p>
+            <a:r>
+              <a:rPr lang="ru-RU" dirty="0" smtClean="0"/>
+              <a:t>Спасибо за внимание</a:t>
+            </a:r>
+            <a:endParaRPr lang="ru-RU" dirty="0"/>
+          </a:p>
+        </p:txBody>
+      </p:sp>
+    </p:spTree>
+    <p:extLst>
+      <p:ext uri="{BB962C8B-B14F-4D97-AF65-F5344CB8AC3E}">
+        <p14:creationId xmlns:p14="http://schemas.microsoft.com/office/powerpoint/2010/main" val="3115519416"/>
+      </p:ext>
+    </p:extLst>
+  </p:cSld>
+  <p:clrMapOvr>
+    <a:masterClrMapping/>
+  </p:clrMapOvr>
 </p:sld>
 </file>
 
